--- a/Presentations/05 Javascript functions and objects.pptx
+++ b/Presentations/05 Javascript functions and objects.pptx
@@ -91,14 +91,14 @@
       <p:boldItalic r:id="rId71"/>
     </p:embeddedFont>
     <p:embeddedFont>
-      <p:font typeface="Montserrat" panose="020B0604020202020204" charset="-52"/>
+      <p:font typeface="Montserrat" panose="00000500000000000000" pitchFamily="2" charset="-52"/>
       <p:regular r:id="rId72"/>
       <p:bold r:id="rId73"/>
       <p:italic r:id="rId74"/>
       <p:boldItalic r:id="rId75"/>
     </p:embeddedFont>
     <p:embeddedFont>
-      <p:font typeface="Questrial" panose="020B0604020202020204" charset="0"/>
+      <p:font typeface="Questrial" pitchFamily="2" charset="0"/>
       <p:regular r:id="rId76"/>
     </p:embeddedFont>
   </p:embeddedFontLst>
@@ -331,6 +331,11 @@
       </a:defRPr>
     </a:lvl9pPr>
   </p:defaultTextStyle>
+  <p:extLst>
+    <p:ext uri="{EFAFB233-063F-42B5-8137-9DF3F51BA10A}">
+      <p15:sldGuideLst xmlns:p15="http://schemas.microsoft.com/office/powerpoint/2012/main"/>
+    </p:ext>
+  </p:extLst>
 </p:presentation>
 </file>
 
@@ -6906,8 +6911,8 @@
         </p:nvSpPr>
         <p:spPr>
           <a:xfrm>
-            <a:off x="381300" y="685800"/>
-            <a:ext cx="6096075" cy="3429000"/>
+            <a:off x="381000" y="685800"/>
+            <a:ext cx="6096000" cy="3429000"/>
           </a:xfrm>
           <a:custGeom>
             <a:avLst/>
@@ -7218,8 +7223,8 @@
         </p:nvSpPr>
         <p:spPr>
           <a:xfrm>
-            <a:off x="381300" y="685800"/>
-            <a:ext cx="6096075" cy="3429000"/>
+            <a:off x="381000" y="685800"/>
+            <a:ext cx="6096000" cy="3429000"/>
           </a:xfrm>
           <a:custGeom>
             <a:avLst/>
@@ -7426,8 +7431,8 @@
         </p:nvSpPr>
         <p:spPr>
           <a:xfrm>
-            <a:off x="381300" y="685800"/>
-            <a:ext cx="6096075" cy="3429000"/>
+            <a:off x="381000" y="685800"/>
+            <a:ext cx="6096000" cy="3429000"/>
           </a:xfrm>
           <a:custGeom>
             <a:avLst/>
@@ -7530,8 +7535,8 @@
         </p:nvSpPr>
         <p:spPr>
           <a:xfrm>
-            <a:off x="381300" y="685800"/>
-            <a:ext cx="6096075" cy="3429000"/>
+            <a:off x="381000" y="685800"/>
+            <a:ext cx="6096000" cy="3429000"/>
           </a:xfrm>
           <a:custGeom>
             <a:avLst/>
@@ -8448,8 +8453,8 @@
         </p:nvSpPr>
         <p:spPr>
           <a:xfrm>
-            <a:off x="381300" y="685800"/>
-            <a:ext cx="6096075" cy="3429000"/>
+            <a:off x="381000" y="685800"/>
+            <a:ext cx="6096000" cy="3429000"/>
           </a:xfrm>
           <a:custGeom>
             <a:avLst/>
@@ -27429,7 +27434,7 @@
               <a:buChar char="•"/>
             </a:pPr>
             <a:r>
-              <a:rPr lang="en-GB" sz="2400" b="0" i="0" u="none" strike="noStrike" cap="none" baseline="-25000">
+              <a:rPr lang="en-GB" sz="2400" b="0" i="0" u="none" strike="noStrike" cap="none" baseline="-25000" dirty="0">
                 <a:solidFill>
                   <a:schemeClr val="lt1"/>
                 </a:solidFill>
@@ -27440,7 +27445,7 @@
               </a:rPr>
               <a:t>Functions have their own scope, which is preserved between calls</a:t>
             </a:r>
-            <a:endParaRPr baseline="-25000"/>
+            <a:endParaRPr baseline="-25000" dirty="0"/>
           </a:p>
           <a:p>
             <a:pPr marL="514350" marR="0" lvl="1" indent="-171450" algn="l" rtl="0">
@@ -27461,7 +27466,7 @@
               <a:buChar char="•"/>
             </a:pPr>
             <a:r>
-              <a:rPr lang="en-GB" sz="2250" b="0" i="0" u="none" strike="noStrike" cap="none" baseline="-25000">
+              <a:rPr lang="en-GB" sz="2250" b="0" i="0" u="none" strike="noStrike" cap="none" baseline="-25000" dirty="0">
                 <a:solidFill>
                   <a:schemeClr val="lt1"/>
                 </a:solidFill>
@@ -27473,7 +27478,7 @@
               <a:t>Accessible through the "</a:t>
             </a:r>
             <a:r>
-              <a:rPr lang="en-GB" sz="2250" b="1" i="0" u="none" strike="noStrike" cap="none" baseline="-25000">
+              <a:rPr lang="en-GB" sz="2250" b="1" i="0" u="none" strike="noStrike" cap="none" baseline="-25000" dirty="0">
                 <a:solidFill>
                   <a:srgbClr val="21FFFE"/>
                 </a:solidFill>
@@ -27485,7 +27490,7 @@
               <a:t>this</a:t>
             </a:r>
             <a:r>
-              <a:rPr lang="en-GB" sz="2250" b="0" i="0" u="none" strike="noStrike" cap="none" baseline="-25000">
+              <a:rPr lang="en-GB" sz="2250" b="0" i="0" u="none" strike="noStrike" cap="none" baseline="-25000" dirty="0">
                 <a:solidFill>
                   <a:schemeClr val="lt1"/>
                 </a:solidFill>
@@ -27496,7 +27501,7 @@
               </a:rPr>
               <a:t>" keyword</a:t>
             </a:r>
-            <a:endParaRPr sz="2100" b="0" i="0" u="none" strike="noStrike" cap="none" baseline="-25000">
+            <a:endParaRPr sz="2100" b="0" i="0" u="none" strike="noStrike" cap="none" baseline="-25000" dirty="0">
               <a:solidFill>
                 <a:schemeClr val="lt1"/>
               </a:solidFill>
@@ -40095,7 +40100,7 @@
         </p:nvSpPr>
         <p:spPr>
           <a:xfrm>
-            <a:off x="1297500" y="3563950"/>
+            <a:off x="1297500" y="3308768"/>
             <a:ext cx="6113400" cy="600300"/>
           </a:xfrm>
           <a:prstGeom prst="rect">
@@ -41131,8 +41136,8 @@
         </p:nvSpPr>
         <p:spPr>
           <a:xfrm>
-            <a:off x="1297501" y="2652600"/>
-            <a:ext cx="6987900" cy="2354400"/>
+            <a:off x="1297500" y="2652600"/>
+            <a:ext cx="7304239" cy="2354400"/>
           </a:xfrm>
           <a:prstGeom prst="rect">
             <a:avLst/>
@@ -42375,8 +42380,8 @@
         </p:nvSpPr>
         <p:spPr>
           <a:xfrm>
-            <a:off x="8821341" y="4893469"/>
-            <a:ext cx="321469" cy="147638"/>
+            <a:off x="8676167" y="4827181"/>
+            <a:ext cx="466643" cy="213926"/>
           </a:xfrm>
           <a:prstGeom prst="rect">
             <a:avLst/>
@@ -42410,7 +42415,7 @@
               </a:rPr>
               <a:t>52</a:t>
             </a:fld>
-            <a:endParaRPr sz="1000">
+            <a:endParaRPr sz="1000" dirty="0">
               <a:latin typeface="Lato"/>
               <a:ea typeface="Lato"/>
               <a:cs typeface="Lato"/>
@@ -42561,7 +42566,7 @@
               <a:buChar char="•"/>
             </a:pPr>
             <a:r>
-              <a:rPr lang="en-GB" sz="1800" b="1" i="0" u="none" strike="noStrike" cap="none">
+              <a:rPr lang="en-GB" sz="1800" b="1" i="0" u="none" strike="noStrike" cap="none" dirty="0">
                 <a:solidFill>
                   <a:srgbClr val="21FFFE"/>
                 </a:solidFill>
@@ -42573,7 +42578,7 @@
               <a:t>JSON</a:t>
             </a:r>
             <a:r>
-              <a:rPr lang="en-GB" sz="1800" b="0" i="0" u="none" strike="noStrike" cap="none">
+              <a:rPr lang="en-GB" sz="1800" b="0" i="0" u="none" strike="noStrike" cap="none" dirty="0">
                 <a:solidFill>
                   <a:schemeClr val="lt1"/>
                 </a:solidFill>
@@ -42585,7 +42590,7 @@
               <a:t> stands for </a:t>
             </a:r>
             <a:r>
-              <a:rPr lang="en-GB" sz="1800" b="0" i="0" u="none" strike="noStrike" cap="none">
+              <a:rPr lang="en-GB" sz="1800" b="0" i="0" u="none" strike="noStrike" cap="none" dirty="0">
                 <a:solidFill>
                   <a:srgbClr val="DEEBF4"/>
                 </a:solidFill>
@@ -42597,7 +42602,7 @@
               <a:t>J</a:t>
             </a:r>
             <a:r>
-              <a:rPr lang="en-GB" sz="1800" b="0" i="0" u="none" strike="noStrike" cap="none">
+              <a:rPr lang="en-GB" sz="1800" b="0" i="0" u="none" strike="noStrike" cap="none" dirty="0">
                 <a:solidFill>
                   <a:schemeClr val="lt1"/>
                 </a:solidFill>
@@ -42609,7 +42614,7 @@
               <a:t>ava</a:t>
             </a:r>
             <a:r>
-              <a:rPr lang="en-GB" sz="1800" b="0" i="0" u="none" strike="noStrike" cap="none">
+              <a:rPr lang="en-GB" sz="1800" b="0" i="0" u="none" strike="noStrike" cap="none" dirty="0">
                 <a:solidFill>
                   <a:srgbClr val="DEEBF4"/>
                 </a:solidFill>
@@ -42621,7 +42626,7 @@
               <a:t>S</a:t>
             </a:r>
             <a:r>
-              <a:rPr lang="en-GB" sz="1800" b="0" i="0" u="none" strike="noStrike" cap="none">
+              <a:rPr lang="en-GB" sz="1800" b="0" i="0" u="none" strike="noStrike" cap="none" dirty="0">
                 <a:solidFill>
                   <a:schemeClr val="lt1"/>
                 </a:solidFill>
@@ -42633,7 +42638,7 @@
               <a:t>cript </a:t>
             </a:r>
             <a:r>
-              <a:rPr lang="en-GB" sz="1800" b="0" i="0" u="none" strike="noStrike" cap="none">
+              <a:rPr lang="en-GB" sz="1800" b="0" i="0" u="none" strike="noStrike" cap="none" dirty="0">
                 <a:solidFill>
                   <a:srgbClr val="DEEBF4"/>
                 </a:solidFill>
@@ -42645,7 +42650,7 @@
               <a:t>O</a:t>
             </a:r>
             <a:r>
-              <a:rPr lang="en-GB" sz="1800" b="0" i="0" u="none" strike="noStrike" cap="none">
+              <a:rPr lang="en-GB" sz="1800" b="0" i="0" u="none" strike="noStrike" cap="none" dirty="0">
                 <a:solidFill>
                   <a:schemeClr val="lt1"/>
                 </a:solidFill>
@@ -42657,7 +42662,7 @@
               <a:t>bject </a:t>
             </a:r>
             <a:r>
-              <a:rPr lang="en-GB" sz="1800" b="0" i="0" u="none" strike="noStrike" cap="none">
+              <a:rPr lang="en-GB" sz="1800" b="0" i="0" u="none" strike="noStrike" cap="none" dirty="0">
                 <a:solidFill>
                   <a:srgbClr val="DEEBF4"/>
                 </a:solidFill>
@@ -42669,7 +42674,7 @@
               <a:t>N</a:t>
             </a:r>
             <a:r>
-              <a:rPr lang="en-GB" sz="1800" b="0" i="0" u="none" strike="noStrike" cap="none">
+              <a:rPr lang="en-GB" sz="1800" b="0" i="0" u="none" strike="noStrike" cap="none" dirty="0">
                 <a:solidFill>
                   <a:schemeClr val="lt1"/>
                 </a:solidFill>
@@ -42680,7 +42685,7 @@
               </a:rPr>
               <a:t>otation</a:t>
             </a:r>
-            <a:endParaRPr/>
+            <a:endParaRPr dirty="0"/>
           </a:p>
           <a:p>
             <a:pPr marL="514350" marR="0" lvl="1" indent="-171450" algn="l" rtl="0">
@@ -42701,7 +42706,7 @@
               <a:buChar char="•"/>
             </a:pPr>
             <a:r>
-              <a:rPr lang="en-GB" sz="1500" b="0" i="0" u="none" strike="noStrike" cap="none">
+              <a:rPr lang="en-GB" sz="1500" b="0" i="0" u="none" strike="noStrike" cap="none" dirty="0">
                 <a:solidFill>
                   <a:schemeClr val="lt1"/>
                 </a:solidFill>
@@ -42713,7 +42718,7 @@
               <a:t>A data format used in JavaScript, the "</a:t>
             </a:r>
             <a:r>
-              <a:rPr lang="en-GB" sz="1500" b="1" i="0" u="none" strike="noStrike" cap="none">
+              <a:rPr lang="en-GB" sz="1500" b="1" i="0" u="none" strike="noStrike" cap="none" dirty="0" err="1">
                 <a:solidFill>
                   <a:srgbClr val="21FFFE"/>
                 </a:solidFill>
@@ -42725,7 +42730,7 @@
               <a:t>prop:value</a:t>
             </a:r>
             <a:r>
-              <a:rPr lang="en-GB" sz="1500" b="0" i="0" u="none" strike="noStrike" cap="none">
+              <a:rPr lang="en-GB" sz="1500" b="0" i="0" u="none" strike="noStrike" cap="none" dirty="0">
                 <a:solidFill>
                   <a:schemeClr val="lt1"/>
                 </a:solidFill>
@@ -42736,7 +42741,7 @@
               </a:rPr>
               <a:t>" notation</a:t>
             </a:r>
-            <a:endParaRPr/>
+            <a:endParaRPr dirty="0"/>
           </a:p>
           <a:p>
             <a:pPr marL="514350" marR="0" lvl="1" indent="-52387" algn="l" rtl="0">
@@ -42756,7 +42761,7 @@
               <a:buFont typeface="Arial"/>
               <a:buNone/>
             </a:pPr>
-            <a:endParaRPr sz="1500" b="0" i="0" u="none" strike="noStrike" cap="none">
+            <a:endParaRPr sz="1500" b="0" i="0" u="none" strike="noStrike" cap="none" dirty="0">
               <a:solidFill>
                 <a:schemeClr val="lt1"/>
               </a:solidFill>
@@ -42784,7 +42789,7 @@
               <a:buFont typeface="Arial"/>
               <a:buNone/>
             </a:pPr>
-            <a:endParaRPr sz="1500" b="0" i="0" u="none" strike="noStrike" cap="none">
+            <a:endParaRPr sz="1500" b="0" i="0" u="none" strike="noStrike" cap="none" dirty="0">
               <a:solidFill>
                 <a:schemeClr val="lt1"/>
               </a:solidFill>
@@ -42812,7 +42817,7 @@
               <a:buFont typeface="Arial"/>
               <a:buNone/>
             </a:pPr>
-            <a:endParaRPr sz="1500" b="0" i="0" u="none" strike="noStrike" cap="none">
+            <a:endParaRPr sz="1500" b="0" i="0" u="none" strike="noStrike" cap="none" dirty="0">
               <a:solidFill>
                 <a:schemeClr val="lt1"/>
               </a:solidFill>
@@ -42840,7 +42845,7 @@
               <a:buFont typeface="Arial"/>
               <a:buNone/>
             </a:pPr>
-            <a:endParaRPr sz="1500" b="0" i="0" u="none" strike="noStrike" cap="none">
+            <a:endParaRPr sz="1500" b="0" i="0" u="none" strike="noStrike" cap="none" dirty="0">
               <a:solidFill>
                 <a:schemeClr val="lt1"/>
               </a:solidFill>
@@ -42868,7 +42873,7 @@
               <a:buFont typeface="Arial"/>
               <a:buNone/>
             </a:pPr>
-            <a:endParaRPr sz="1500" b="0" i="0" u="none" strike="noStrike" cap="none">
+            <a:endParaRPr sz="1500" b="0" i="0" u="none" strike="noStrike" cap="none" dirty="0">
               <a:solidFill>
                 <a:schemeClr val="lt1"/>
               </a:solidFill>
@@ -42896,7 +42901,7 @@
               <a:buFont typeface="Arial"/>
               <a:buNone/>
             </a:pPr>
-            <a:endParaRPr sz="1500" b="0" i="0" u="none" strike="noStrike" cap="none">
+            <a:endParaRPr sz="1500" b="0" i="0" u="none" strike="noStrike" cap="none" dirty="0">
               <a:solidFill>
                 <a:schemeClr val="lt1"/>
               </a:solidFill>
@@ -42924,7 +42929,7 @@
               <a:buFont typeface="Arial"/>
               <a:buNone/>
             </a:pPr>
-            <a:endParaRPr sz="1500" b="0" i="0" u="none" strike="noStrike" cap="none">
+            <a:endParaRPr sz="1500" b="0" i="0" u="none" strike="noStrike" cap="none" dirty="0">
               <a:solidFill>
                 <a:schemeClr val="lt1"/>
               </a:solidFill>
@@ -42953,7 +42958,7 @@
               <a:buChar char="•"/>
             </a:pPr>
             <a:r>
-              <a:rPr lang="en-GB" sz="1500" b="0" i="0" u="none" strike="noStrike" cap="none">
+              <a:rPr lang="en-GB" sz="1500" b="0" i="0" u="none" strike="noStrike" cap="none" dirty="0">
                 <a:solidFill>
                   <a:schemeClr val="lt1"/>
                 </a:solidFill>
@@ -42964,7 +42969,7 @@
               </a:rPr>
               <a:t>Then the object properties can be used:</a:t>
             </a:r>
-            <a:endParaRPr sz="1500" b="0" i="0" u="none" strike="noStrike" cap="none">
+            <a:endParaRPr sz="1500" b="0" i="0" u="none" strike="noStrike" cap="none" dirty="0">
               <a:solidFill>
                 <a:schemeClr val="lt1"/>
               </a:solidFill>
@@ -42984,7 +42989,7 @@
         </p:nvSpPr>
         <p:spPr>
           <a:xfrm>
-            <a:off x="854592" y="1848201"/>
+            <a:off x="854592" y="1769117"/>
             <a:ext cx="7460069" cy="1869743"/>
           </a:xfrm>
           <a:prstGeom prst="rect">
@@ -43223,7 +43228,7 @@
         </p:nvSpPr>
         <p:spPr>
           <a:xfrm>
-            <a:off x="854592" y="4343401"/>
+            <a:off x="854592" y="4100127"/>
             <a:ext cx="8289408" cy="577081"/>
           </a:xfrm>
           <a:prstGeom prst="rect">
@@ -46534,7 +46539,7 @@
               <a:buChar char="•"/>
             </a:pPr>
             <a:r>
-              <a:rPr lang="en-GB" sz="1800" b="0" i="0" u="none" strike="noStrike" cap="none">
+              <a:rPr lang="en-GB" sz="1800" b="0" i="0" u="none" strike="noStrike" cap="none" dirty="0">
                 <a:solidFill>
                   <a:schemeClr val="lt1"/>
                 </a:solidFill>
@@ -46545,7 +46550,7 @@
               </a:rPr>
               <a:t>Functions can be defined in several ways:</a:t>
             </a:r>
-            <a:endParaRPr/>
+            <a:endParaRPr dirty="0"/>
           </a:p>
           <a:p>
             <a:pPr marL="514350" marR="0" lvl="1" indent="-171450" algn="l" rtl="0">
@@ -46566,7 +46571,7 @@
               <a:buChar char="•"/>
             </a:pPr>
             <a:r>
-              <a:rPr lang="en-GB" sz="1500" b="0" i="0" u="none" strike="noStrike" cap="none">
+              <a:rPr lang="en-GB" sz="1500" b="0" i="0" u="none" strike="noStrike" cap="none" dirty="0">
                 <a:solidFill>
                   <a:schemeClr val="lt1"/>
                 </a:solidFill>
@@ -46578,7 +46583,7 @@
               <a:t>By function </a:t>
             </a:r>
             <a:r>
-              <a:rPr lang="en-GB" sz="1500" b="0" i="0" u="none" strike="noStrike" cap="none">
+              <a:rPr lang="en-GB" sz="1500" b="0" i="0" u="none" strike="noStrike" cap="none" dirty="0">
                 <a:solidFill>
                   <a:srgbClr val="21FFFE"/>
                 </a:solidFill>
@@ -46589,7 +46594,7 @@
               </a:rPr>
               <a:t>declaration</a:t>
             </a:r>
-            <a:endParaRPr/>
+            <a:endParaRPr dirty="0"/>
           </a:p>
           <a:p>
             <a:pPr marL="514350" marR="0" lvl="1" indent="-52387" algn="l" rtl="0">
@@ -46609,7 +46614,7 @@
               <a:buFont typeface="Arial"/>
               <a:buNone/>
             </a:pPr>
-            <a:endParaRPr sz="1500" b="0" i="0" u="none" strike="noStrike" cap="none">
+            <a:endParaRPr sz="1500" b="0" i="0" u="none" strike="noStrike" cap="none" dirty="0">
               <a:solidFill>
                 <a:srgbClr val="21FFFE"/>
               </a:solidFill>
@@ -46637,34 +46642,18 @@
               <a:buFont typeface="Arial"/>
               <a:buChar char="•"/>
             </a:pPr>
-            <a:r>
-              <a:rPr lang="en-GB" sz="1500" b="0" i="0" u="none" strike="noStrike" cap="none">
-                <a:solidFill>
-                  <a:schemeClr val="lt1"/>
-                </a:solidFill>
-                <a:latin typeface="Questrial"/>
-                <a:ea typeface="Questrial"/>
-                <a:cs typeface="Questrial"/>
-                <a:sym typeface="Questrial"/>
-              </a:rPr>
-              <a:t>By function </a:t>
-            </a:r>
-            <a:r>
-              <a:rPr lang="en-GB" sz="1500" b="0" i="0" u="none" strike="noStrike" cap="none">
-                <a:solidFill>
-                  <a:srgbClr val="21FFFE"/>
-                </a:solidFill>
-                <a:latin typeface="Questrial"/>
-                <a:ea typeface="Questrial"/>
-                <a:cs typeface="Questrial"/>
-                <a:sym typeface="Questrial"/>
-              </a:rPr>
-              <a:t>expression</a:t>
-            </a:r>
-            <a:endParaRPr/>
-          </a:p>
-          <a:p>
-            <a:pPr marL="514350" marR="0" lvl="1" indent="-52387" algn="l" rtl="0">
+            <a:endParaRPr lang="en-GB" sz="1500" b="0" i="0" u="none" strike="noStrike" cap="none" dirty="0">
+              <a:solidFill>
+                <a:schemeClr val="lt1"/>
+              </a:solidFill>
+              <a:latin typeface="Questrial"/>
+              <a:ea typeface="Questrial"/>
+              <a:cs typeface="Questrial"/>
+              <a:sym typeface="Questrial"/>
+            </a:endParaRPr>
+          </a:p>
+          <a:p>
+            <a:pPr marL="514350" marR="0" lvl="1" indent="-171450" algn="l" rtl="0">
               <a:lnSpc>
                 <a:spcPct val="120000"/>
               </a:lnSpc>
@@ -46679,9 +46668,53 @@
               </a:buClr>
               <a:buSzPts val="1875"/>
               <a:buFont typeface="Arial"/>
-              <a:buNone/>
-            </a:pPr>
-            <a:endParaRPr sz="1500" b="0" i="0" u="none" strike="noStrike" cap="none">
+              <a:buChar char="•"/>
+            </a:pPr>
+            <a:r>
+              <a:rPr lang="en-GB" sz="1500" b="0" i="0" u="none" strike="noStrike" cap="none" dirty="0">
+                <a:solidFill>
+                  <a:schemeClr val="lt1"/>
+                </a:solidFill>
+                <a:latin typeface="Questrial"/>
+                <a:ea typeface="Questrial"/>
+                <a:cs typeface="Questrial"/>
+                <a:sym typeface="Questrial"/>
+              </a:rPr>
+              <a:t>By function </a:t>
+            </a:r>
+            <a:r>
+              <a:rPr lang="en-GB" sz="1500" b="0" i="0" u="none" strike="noStrike" cap="none" dirty="0">
+                <a:solidFill>
+                  <a:srgbClr val="21FFFE"/>
+                </a:solidFill>
+                <a:latin typeface="Questrial"/>
+                <a:ea typeface="Questrial"/>
+                <a:cs typeface="Questrial"/>
+                <a:sym typeface="Questrial"/>
+              </a:rPr>
+              <a:t>expression</a:t>
+            </a:r>
+            <a:endParaRPr dirty="0"/>
+          </a:p>
+          <a:p>
+            <a:pPr marL="514350" marR="0" lvl="1" indent="-52387" algn="l" rtl="0">
+              <a:lnSpc>
+                <a:spcPct val="120000"/>
+              </a:lnSpc>
+              <a:spcBef>
+                <a:spcPts val="375"/>
+              </a:spcBef>
+              <a:spcAft>
+                <a:spcPts val="0"/>
+              </a:spcAft>
+              <a:buClr>
+                <a:schemeClr val="lt1"/>
+              </a:buClr>
+              <a:buSzPts val="1875"/>
+              <a:buFont typeface="Arial"/>
+              <a:buNone/>
+            </a:pPr>
+            <a:endParaRPr sz="1500" b="0" i="0" u="none" strike="noStrike" cap="none" dirty="0">
               <a:solidFill>
                 <a:srgbClr val="21FFFE"/>
               </a:solidFill>
@@ -46709,7 +46742,7 @@
               <a:buFont typeface="Arial"/>
               <a:buNone/>
             </a:pPr>
-            <a:endParaRPr sz="1500" b="0" i="0" u="none" strike="noStrike" cap="none">
+            <a:endParaRPr sz="1500" b="0" i="0" u="none" strike="noStrike" cap="none" dirty="0">
               <a:solidFill>
                 <a:srgbClr val="21FFFE"/>
               </a:solidFill>
@@ -46737,7 +46770,7 @@
               <a:buFont typeface="Arial"/>
               <a:buNone/>
             </a:pPr>
-            <a:endParaRPr sz="1500" b="0" i="0" u="none" strike="noStrike" cap="none">
+            <a:endParaRPr sz="1500" b="0" i="0" u="none" strike="noStrike" cap="none" dirty="0">
               <a:solidFill>
                 <a:srgbClr val="21FFFE"/>
               </a:solidFill>
@@ -46765,7 +46798,7 @@
               <a:buFont typeface="Arial"/>
               <a:buNone/>
             </a:pPr>
-            <a:endParaRPr sz="1500" b="0" i="0" u="none" strike="noStrike" cap="none">
+            <a:endParaRPr sz="1500" b="0" i="0" u="none" strike="noStrike" cap="none" dirty="0">
               <a:solidFill>
                 <a:srgbClr val="21FFFE"/>
               </a:solidFill>
@@ -46794,7 +46827,7 @@
               <a:buChar char="•"/>
             </a:pPr>
             <a:r>
-              <a:rPr lang="en-GB" sz="1500" b="0" i="0" u="none" strike="noStrike" cap="none">
+              <a:rPr lang="en-GB" sz="1500" b="0" i="0" u="none" strike="noStrike" cap="none" dirty="0">
                 <a:solidFill>
                   <a:schemeClr val="lt1"/>
                 </a:solidFill>
@@ -46806,7 +46839,7 @@
               <a:t>Using the </a:t>
             </a:r>
             <a:r>
-              <a:rPr lang="en-GB" sz="1500" b="0" i="0" u="none" strike="noStrike" cap="none">
+              <a:rPr lang="en-GB" sz="1500" b="0" i="0" u="none" strike="noStrike" cap="none" dirty="0">
                 <a:solidFill>
                   <a:srgbClr val="21FFFE"/>
                 </a:solidFill>
@@ -46818,7 +46851,7 @@
               <a:t>constructor</a:t>
             </a:r>
             <a:r>
-              <a:rPr lang="en-GB" sz="1500" b="0" i="0" u="none" strike="noStrike" cap="none">
+              <a:rPr lang="en-GB" sz="1500" b="0" i="0" u="none" strike="noStrike" cap="none" dirty="0">
                 <a:solidFill>
                   <a:schemeClr val="lt1"/>
                 </a:solidFill>
@@ -46830,7 +46863,7 @@
               <a:t> of the </a:t>
             </a:r>
             <a:r>
-              <a:rPr lang="en-GB" sz="1500" b="1" i="0" u="none" strike="noStrike" cap="none">
+              <a:rPr lang="en-GB" sz="1500" b="1" i="0" u="none" strike="noStrike" cap="none" dirty="0">
                 <a:solidFill>
                   <a:srgbClr val="21FFFE"/>
                 </a:solidFill>
@@ -46842,7 +46875,7 @@
               <a:t>Function</a:t>
             </a:r>
             <a:r>
-              <a:rPr lang="en-GB" sz="1500" b="0" i="0" u="none" strike="noStrike" cap="none">
+              <a:rPr lang="en-GB" sz="1500" b="0" i="0" u="none" strike="noStrike" cap="none" dirty="0">
                 <a:solidFill>
                   <a:schemeClr val="lt1"/>
                 </a:solidFill>
@@ -46853,7 +46886,7 @@
               </a:rPr>
               <a:t> object</a:t>
             </a:r>
-            <a:endParaRPr sz="1500" b="0" i="0" u="none" strike="noStrike" cap="none">
+            <a:endParaRPr sz="1500" b="0" i="0" u="none" strike="noStrike" cap="none" dirty="0">
               <a:solidFill>
                 <a:srgbClr val="21FFFE"/>
               </a:solidFill>
@@ -46873,7 +46906,7 @@
         </p:nvSpPr>
         <p:spPr>
           <a:xfrm>
-            <a:off x="690588" y="4254962"/>
+            <a:off x="695484" y="4386750"/>
             <a:ext cx="7447200" cy="363000"/>
           </a:xfrm>
           <a:prstGeom prst="rect">
@@ -46993,7 +47026,7 @@
         </p:nvSpPr>
         <p:spPr>
           <a:xfrm>
-            <a:off x="685800" y="2615233"/>
+            <a:off x="685800" y="2832800"/>
             <a:ext cx="7456884" cy="986218"/>
           </a:xfrm>
           <a:prstGeom prst="rect">
@@ -47550,7 +47583,7 @@
         </p:nvSpPr>
         <p:spPr>
           <a:xfrm>
-            <a:off x="856060" y="3083935"/>
+            <a:off x="856060" y="2758031"/>
             <a:ext cx="7267214" cy="270637"/>
           </a:xfrm>
           <a:prstGeom prst="rect">
